--- a/Project_car_incidents.pptx
+++ b/Project_car_incidents.pptx
@@ -15,6 +15,7 @@
     <p:sldId id="263" r:id="rId9"/>
     <p:sldId id="264" r:id="rId10"/>
     <p:sldId id="265" r:id="rId11"/>
+    <p:sldId id="266" r:id="rId12"/>
   </p:sldIdLst>
   <p:sldSz cx="12192000" cy="6858000"/>
   <p:notesSz cx="6858000" cy="9144000"/>
@@ -6332,7 +6333,7 @@
           <a:lstStyle/>
           <a:p>
             <a:r>
-              <a:rPr lang="en-US" sz="2200" dirty="0">
+              <a:rPr lang="en-US" sz="2400" dirty="0">
                 <a:solidFill>
                   <a:schemeClr val="bg1"/>
                 </a:solidFill>
@@ -7624,6 +7625,317 @@
   </p:cSld>
   <p:clrMapOvr>
     <a:masterClrMapping/>
+  </p:clrMapOvr>
+</p:sld>
+</file>
+
+<file path=ppt/slides/slide11.xml><?xml version="1.0" encoding="utf-8"?>
+<p:sld xmlns:a="http://schemas.openxmlformats.org/drawingml/2006/main" xmlns:r="http://schemas.openxmlformats.org/officeDocument/2006/relationships" xmlns:p="http://schemas.openxmlformats.org/presentationml/2006/main">
+  <p:cSld>
+    <p:bg>
+      <p:bgPr>
+        <a:solidFill>
+          <a:schemeClr val="bg2"/>
+        </a:solidFill>
+        <a:effectLst/>
+      </p:bgPr>
+    </p:bg>
+    <p:spTree>
+      <p:nvGrpSpPr>
+        <p:cNvPr id="1" name=""/>
+        <p:cNvGrpSpPr/>
+        <p:nvPr/>
+      </p:nvGrpSpPr>
+      <p:grpSpPr>
+        <a:xfrm>
+          <a:off x="0" y="0"/>
+          <a:ext cx="0" cy="0"/>
+          <a:chOff x="0" y="0"/>
+          <a:chExt cx="0" cy="0"/>
+        </a:xfrm>
+      </p:grpSpPr>
+      <p:sp>
+        <p:nvSpPr>
+          <p:cNvPr id="7" name="Title 6">
+            <a:extLst>
+              <a:ext uri="{FF2B5EF4-FFF2-40B4-BE49-F238E27FC236}">
+                <a16:creationId xmlns:a16="http://schemas.microsoft.com/office/drawing/2014/main" id="{FF0A5205-19F9-4943-AF7C-88217E911C7E}"/>
+              </a:ext>
+            </a:extLst>
+          </p:cNvPr>
+          <p:cNvSpPr>
+            <a:spLocks noGrp="1"/>
+          </p:cNvSpPr>
+          <p:nvPr>
+            <p:ph type="title"/>
+          </p:nvPr>
+        </p:nvSpPr>
+        <p:spPr>
+          <a:xfrm>
+            <a:off x="5536733" y="609600"/>
+            <a:ext cx="4533241" cy="1320800"/>
+          </a:xfrm>
+        </p:spPr>
+        <p:txBody>
+          <a:bodyPr>
+            <a:normAutofit/>
+          </a:bodyPr>
+          <a:lstStyle/>
+          <a:p>
+            <a:r>
+              <a:rPr lang="en-US" dirty="0"/>
+              <a:t>CONCLUSIONS</a:t>
+            </a:r>
+          </a:p>
+        </p:txBody>
+      </p:sp>
+      <p:sp>
+        <p:nvSpPr>
+          <p:cNvPr id="49" name="Content Placeholder 14">
+            <a:extLst>
+              <a:ext uri="{FF2B5EF4-FFF2-40B4-BE49-F238E27FC236}">
+                <a16:creationId xmlns:a16="http://schemas.microsoft.com/office/drawing/2014/main" id="{2EB0C61C-F0ED-4851-93A7-E821315FB734}"/>
+              </a:ext>
+            </a:extLst>
+          </p:cNvPr>
+          <p:cNvSpPr>
+            <a:spLocks noGrp="1"/>
+          </p:cNvSpPr>
+          <p:nvPr>
+            <p:ph idx="1"/>
+          </p:nvPr>
+        </p:nvSpPr>
+        <p:spPr>
+          <a:xfrm>
+            <a:off x="5394960" y="1643605"/>
+            <a:ext cx="6087126" cy="4710896"/>
+          </a:xfrm>
+        </p:spPr>
+        <p:txBody>
+          <a:bodyPr>
+            <a:normAutofit/>
+          </a:bodyPr>
+          <a:lstStyle/>
+          <a:p>
+            <a:r>
+              <a:rPr lang="en-US" dirty="0"/>
+              <a:t>Holidays or not holidays period , the highest car incidents in CDMX is registered on Friday.</a:t>
+            </a:r>
+          </a:p>
+          <a:p>
+            <a:endParaRPr lang="en-US" dirty="0"/>
+          </a:p>
+          <a:p>
+            <a:r>
+              <a:rPr lang="en-US" dirty="0"/>
+              <a:t>In festive period, Saturdays register high car incidents in CDMX as well.</a:t>
+            </a:r>
+          </a:p>
+          <a:p>
+            <a:endParaRPr lang="en-US" dirty="0"/>
+          </a:p>
+          <a:p>
+            <a:r>
+              <a:rPr lang="en-US" dirty="0"/>
+              <a:t>TOP 3 of the “</a:t>
+            </a:r>
+            <a:r>
+              <a:rPr lang="en-US" dirty="0" err="1"/>
+              <a:t>Alcaldias</a:t>
+            </a:r>
+            <a:r>
+              <a:rPr lang="en-US" dirty="0"/>
+              <a:t>” that register major incidents are the </a:t>
+            </a:r>
+            <a:r>
+              <a:rPr lang="en-US" dirty="0" err="1"/>
+              <a:t>Iztapalapa</a:t>
+            </a:r>
+            <a:r>
+              <a:rPr lang="en-US" dirty="0"/>
+              <a:t>, Gustavo A. Madero, </a:t>
+            </a:r>
+            <a:r>
+              <a:rPr lang="en-US" dirty="0" err="1"/>
+              <a:t>Cuahtemoc</a:t>
+            </a:r>
+            <a:r>
+              <a:rPr lang="en-US" dirty="0"/>
+              <a:t> both on holidays and on non-holiday days.</a:t>
+            </a:r>
+          </a:p>
+          <a:p>
+            <a:endParaRPr lang="en-US" dirty="0"/>
+          </a:p>
+          <a:p>
+            <a:r>
+              <a:rPr lang="en-US" dirty="0"/>
+              <a:t>A little suggestion, if it is Friday ( or Saturday in festive days), avoid to drive on the three “</a:t>
+            </a:r>
+            <a:r>
+              <a:rPr lang="en-US" dirty="0" err="1"/>
+              <a:t>alcaldias</a:t>
+            </a:r>
+            <a:r>
+              <a:rPr lang="en-US" dirty="0"/>
+              <a:t>” or good luck.</a:t>
+            </a:r>
+          </a:p>
+        </p:txBody>
+      </p:sp>
+      <p:pic>
+        <p:nvPicPr>
+          <p:cNvPr id="50" name="Content Placeholder 9">
+            <a:extLst>
+              <a:ext uri="{FF2B5EF4-FFF2-40B4-BE49-F238E27FC236}">
+                <a16:creationId xmlns:a16="http://schemas.microsoft.com/office/drawing/2014/main" id="{6EE24932-88FC-4927-A1A8-EA3F089AD4A1}"/>
+              </a:ext>
+            </a:extLst>
+          </p:cNvPr>
+          <p:cNvPicPr>
+            <a:picLocks noChangeAspect="1"/>
+          </p:cNvPicPr>
+          <p:nvPr/>
+        </p:nvPicPr>
+        <p:blipFill rotWithShape="1">
+          <a:blip r:embed="rId2"/>
+          <a:srcRect l="9246" r="31950" b="-2"/>
+          <a:stretch/>
+        </p:blipFill>
+        <p:spPr>
+          <a:xfrm>
+            <a:off x="20" y="-1"/>
+            <a:ext cx="5394940" cy="6858001"/>
+          </a:xfrm>
+          <a:custGeom>
+            <a:avLst/>
+            <a:gdLst>
+              <a:gd name="connsiteX0" fmla="*/ 842596 w 5394960"/>
+              <a:gd name="connsiteY0" fmla="*/ 0 h 6858000"/>
+              <a:gd name="connsiteX1" fmla="*/ 5394960 w 5394960"/>
+              <a:gd name="connsiteY1" fmla="*/ 0 h 6858000"/>
+              <a:gd name="connsiteX2" fmla="*/ 5394960 w 5394960"/>
+              <a:gd name="connsiteY2" fmla="*/ 21851 h 6858000"/>
+              <a:gd name="connsiteX3" fmla="*/ 4365943 w 5394960"/>
+              <a:gd name="connsiteY3" fmla="*/ 6858000 h 6858000"/>
+              <a:gd name="connsiteX4" fmla="*/ 0 w 5394960"/>
+              <a:gd name="connsiteY4" fmla="*/ 6858000 h 6858000"/>
+              <a:gd name="connsiteX5" fmla="*/ 0 w 5394960"/>
+              <a:gd name="connsiteY5" fmla="*/ 5666154 h 6858000"/>
+            </a:gdLst>
+            <a:ahLst/>
+            <a:cxnLst>
+              <a:cxn ang="0">
+                <a:pos x="connsiteX0" y="connsiteY0"/>
+              </a:cxn>
+              <a:cxn ang="0">
+                <a:pos x="connsiteX1" y="connsiteY1"/>
+              </a:cxn>
+              <a:cxn ang="0">
+                <a:pos x="connsiteX2" y="connsiteY2"/>
+              </a:cxn>
+              <a:cxn ang="0">
+                <a:pos x="connsiteX3" y="connsiteY3"/>
+              </a:cxn>
+              <a:cxn ang="0">
+                <a:pos x="connsiteX4" y="connsiteY4"/>
+              </a:cxn>
+              <a:cxn ang="0">
+                <a:pos x="connsiteX5" y="connsiteY5"/>
+              </a:cxn>
+            </a:cxnLst>
+            <a:rect l="l" t="t" r="r" b="b"/>
+            <a:pathLst>
+              <a:path w="5394960" h="6858000">
+                <a:moveTo>
+                  <a:pt x="842596" y="0"/>
+                </a:moveTo>
+                <a:lnTo>
+                  <a:pt x="5394960" y="0"/>
+                </a:lnTo>
+                <a:lnTo>
+                  <a:pt x="5394960" y="21851"/>
+                </a:lnTo>
+                <a:lnTo>
+                  <a:pt x="4365943" y="6858000"/>
+                </a:lnTo>
+                <a:lnTo>
+                  <a:pt x="0" y="6858000"/>
+                </a:lnTo>
+                <a:lnTo>
+                  <a:pt x="0" y="5666154"/>
+                </a:lnTo>
+                <a:close/>
+              </a:path>
+            </a:pathLst>
+          </a:custGeom>
+        </p:spPr>
+      </p:pic>
+      <p:sp>
+        <p:nvSpPr>
+          <p:cNvPr id="51" name="Isosceles Triangle 17">
+            <a:extLst>
+              <a:ext uri="{FF2B5EF4-FFF2-40B4-BE49-F238E27FC236}">
+                <a16:creationId xmlns:a16="http://schemas.microsoft.com/office/drawing/2014/main" id="{3BCB5F6A-9EB0-40B0-9D13-3023E9A20508}"/>
+              </a:ext>
+              <a:ext uri="{C183D7F6-B498-43B3-948B-1728B52AA6E4}">
+                <adec:decorative xmlns:adec="http://schemas.microsoft.com/office/drawing/2017/decorative" val="1"/>
+              </a:ext>
+            </a:extLst>
+          </p:cNvPr>
+          <p:cNvSpPr>
+            <a:spLocks noGrp="1" noRot="1" noChangeAspect="1" noMove="1" noResize="1" noEditPoints="1" noAdjustHandles="1" noChangeArrowheads="1" noChangeShapeType="1" noTextEdit="1"/>
+          </p:cNvSpPr>
+          <p:nvPr>
+            <p:extLst>
+              <p:ext uri="{386F3935-93C4-4BCD-93E2-E3B085C9AB24}">
+                <p16:designElem xmlns:p16="http://schemas.microsoft.com/office/powerpoint/2015/main" val="1"/>
+              </p:ext>
+            </p:extLst>
+          </p:nvPr>
+        </p:nvSpPr>
+        <p:spPr>
+          <a:xfrm rot="10800000">
+            <a:off x="0" y="0"/>
+            <a:ext cx="842596" cy="5666154"/>
+          </a:xfrm>
+          <a:prstGeom prst="triangle">
+            <a:avLst>
+              <a:gd name="adj" fmla="val 100000"/>
+            </a:avLst>
+          </a:prstGeom>
+          <a:solidFill>
+            <a:schemeClr val="accent1"/>
+          </a:solidFill>
+          <a:ln>
+            <a:noFill/>
+          </a:ln>
+          <a:effectLst/>
+        </p:spPr>
+        <p:style>
+          <a:lnRef idx="1">
+            <a:schemeClr val="accent1"/>
+          </a:lnRef>
+          <a:fillRef idx="3">
+            <a:schemeClr val="accent1"/>
+          </a:fillRef>
+          <a:effectRef idx="2">
+            <a:schemeClr val="accent1"/>
+          </a:effectRef>
+          <a:fontRef idx="minor">
+            <a:schemeClr val="lt1"/>
+          </a:fontRef>
+        </p:style>
+      </p:sp>
+    </p:spTree>
+    <p:extLst>
+      <p:ext uri="{BB962C8B-B14F-4D97-AF65-F5344CB8AC3E}">
+        <p14:creationId xmlns:p14="http://schemas.microsoft.com/office/powerpoint/2010/main" val="4041581170"/>
+      </p:ext>
+    </p:extLst>
+  </p:cSld>
+  <p:clrMapOvr>
+    <a:overrideClrMapping bg1="dk1" tx1="lt1" bg2="dk2" tx2="lt2" accent1="accent1" accent2="accent2" accent3="accent3" accent4="accent4" accent5="accent5" accent6="accent6" hlink="hlink" folHlink="folHlink"/>
   </p:clrMapOvr>
 </p:sld>
 </file>
@@ -10957,7 +11269,7 @@
           <a:p>
             <a:r>
               <a:rPr lang="en-US" dirty="0"/>
-              <a:t>Conclusions</a:t>
+              <a:t>Results</a:t>
             </a:r>
           </a:p>
         </p:txBody>
